--- a/lectures/week4/lecture3/slides/week4_lecture3.pptx
+++ b/lectures/week4/lecture3/slides/week4_lecture3.pptx
@@ -13135,8 +13135,8 @@
           </a:p>
         </p:txBody>
       </p:sp>
-      <mc:AlternateContent xmlns:mc="http://schemas.openxmlformats.org/markup-compatibility/2006">
-        <mc:Choice xmlns:a14="http://schemas.microsoft.com/office/drawing/2010/main" Requires="a14">
+      <mc:AlternateContent xmlns:mc="http://schemas.openxmlformats.org/markup-compatibility/2006" xmlns:a14="http://schemas.microsoft.com/office/drawing/2010/main">
+        <mc:Choice Requires="a14">
           <p:sp>
             <p:nvSpPr>
               <p:cNvPr id="11" name="TextBox 10">
@@ -13165,6 +13165,7 @@
               </a:bodyPr>
               <a:lstStyle/>
               <a:p>
+                <a:pPr/>
                 <a14:m>
                   <m:oMathPara xmlns:m="http://schemas.openxmlformats.org/officeDocument/2006/math">
                     <m:oMathParaPr>
@@ -13306,7 +13307,7 @@
             </p:txBody>
           </p:sp>
         </mc:Choice>
-        <mc:Fallback>
+        <mc:Fallback xmlns="">
           <p:sp>
             <p:nvSpPr>
               <p:cNvPr id="11" name="TextBox 10">
@@ -14161,8 +14162,8 @@
           </a:p>
         </p:txBody>
       </p:sp>
-      <mc:AlternateContent xmlns:mc="http://schemas.openxmlformats.org/markup-compatibility/2006">
-        <mc:Choice xmlns:a14="http://schemas.microsoft.com/office/drawing/2010/main" Requires="a14">
+      <mc:AlternateContent xmlns:mc="http://schemas.openxmlformats.org/markup-compatibility/2006" xmlns:a14="http://schemas.microsoft.com/office/drawing/2010/main">
+        <mc:Choice Requires="a14">
           <p:sp>
             <p:nvSpPr>
               <p:cNvPr id="11" name="TextBox 10">
@@ -14191,6 +14192,7 @@
               </a:bodyPr>
               <a:lstStyle/>
               <a:p>
+                <a:pPr/>
                 <a14:m>
                   <m:oMathPara xmlns:m="http://schemas.openxmlformats.org/officeDocument/2006/math">
                     <m:oMathParaPr>
@@ -14398,7 +14400,7 @@
             </p:txBody>
           </p:sp>
         </mc:Choice>
-        <mc:Fallback>
+        <mc:Fallback xmlns="">
           <p:sp>
             <p:nvSpPr>
               <p:cNvPr id="11" name="TextBox 10">
